--- a/resources/MongoDB/mongodb.pptx
+++ b/resources/MongoDB/mongodb.pptx
@@ -259,7 +259,7 @@
           <a:p>
             <a:fld id="{5F1BC084-DFB1-4E79-A1F2-869BFFBA2FE4}" type="datetimeFigureOut">
               <a:rPr lang="zh-CN" altLang="en-US" smtClean="0"/>
-              <a:t>2017/9/9</a:t>
+              <a:t>2017/9/17</a:t>
             </a:fld>
             <a:endParaRPr lang="zh-CN" altLang="en-US"/>
           </a:p>
@@ -429,7 +429,7 @@
           <a:p>
             <a:fld id="{5F1BC084-DFB1-4E79-A1F2-869BFFBA2FE4}" type="datetimeFigureOut">
               <a:rPr lang="zh-CN" altLang="en-US" smtClean="0"/>
-              <a:t>2017/9/9</a:t>
+              <a:t>2017/9/17</a:t>
             </a:fld>
             <a:endParaRPr lang="zh-CN" altLang="en-US"/>
           </a:p>
@@ -609,7 +609,7 @@
           <a:p>
             <a:fld id="{5F1BC084-DFB1-4E79-A1F2-869BFFBA2FE4}" type="datetimeFigureOut">
               <a:rPr lang="zh-CN" altLang="en-US" smtClean="0"/>
-              <a:t>2017/9/9</a:t>
+              <a:t>2017/9/17</a:t>
             </a:fld>
             <a:endParaRPr lang="zh-CN" altLang="en-US"/>
           </a:p>
@@ -779,7 +779,7 @@
           <a:p>
             <a:fld id="{5F1BC084-DFB1-4E79-A1F2-869BFFBA2FE4}" type="datetimeFigureOut">
               <a:rPr lang="zh-CN" altLang="en-US" smtClean="0"/>
-              <a:t>2017/9/9</a:t>
+              <a:t>2017/9/17</a:t>
             </a:fld>
             <a:endParaRPr lang="zh-CN" altLang="en-US"/>
           </a:p>
@@ -1025,7 +1025,7 @@
           <a:p>
             <a:fld id="{5F1BC084-DFB1-4E79-A1F2-869BFFBA2FE4}" type="datetimeFigureOut">
               <a:rPr lang="zh-CN" altLang="en-US" smtClean="0"/>
-              <a:t>2017/9/9</a:t>
+              <a:t>2017/9/17</a:t>
             </a:fld>
             <a:endParaRPr lang="zh-CN" altLang="en-US"/>
           </a:p>
@@ -1257,7 +1257,7 @@
           <a:p>
             <a:fld id="{5F1BC084-DFB1-4E79-A1F2-869BFFBA2FE4}" type="datetimeFigureOut">
               <a:rPr lang="zh-CN" altLang="en-US" smtClean="0"/>
-              <a:t>2017/9/9</a:t>
+              <a:t>2017/9/17</a:t>
             </a:fld>
             <a:endParaRPr lang="zh-CN" altLang="en-US"/>
           </a:p>
@@ -1624,7 +1624,7 @@
           <a:p>
             <a:fld id="{5F1BC084-DFB1-4E79-A1F2-869BFFBA2FE4}" type="datetimeFigureOut">
               <a:rPr lang="zh-CN" altLang="en-US" smtClean="0"/>
-              <a:t>2017/9/9</a:t>
+              <a:t>2017/9/17</a:t>
             </a:fld>
             <a:endParaRPr lang="zh-CN" altLang="en-US"/>
           </a:p>
@@ -1742,7 +1742,7 @@
           <a:p>
             <a:fld id="{5F1BC084-DFB1-4E79-A1F2-869BFFBA2FE4}" type="datetimeFigureOut">
               <a:rPr lang="zh-CN" altLang="en-US" smtClean="0"/>
-              <a:t>2017/9/9</a:t>
+              <a:t>2017/9/17</a:t>
             </a:fld>
             <a:endParaRPr lang="zh-CN" altLang="en-US"/>
           </a:p>
@@ -1837,7 +1837,7 @@
           <a:p>
             <a:fld id="{5F1BC084-DFB1-4E79-A1F2-869BFFBA2FE4}" type="datetimeFigureOut">
               <a:rPr lang="zh-CN" altLang="en-US" smtClean="0"/>
-              <a:t>2017/9/9</a:t>
+              <a:t>2017/9/17</a:t>
             </a:fld>
             <a:endParaRPr lang="zh-CN" altLang="en-US"/>
           </a:p>
@@ -2114,7 +2114,7 @@
           <a:p>
             <a:fld id="{5F1BC084-DFB1-4E79-A1F2-869BFFBA2FE4}" type="datetimeFigureOut">
               <a:rPr lang="zh-CN" altLang="en-US" smtClean="0"/>
-              <a:t>2017/9/9</a:t>
+              <a:t>2017/9/17</a:t>
             </a:fld>
             <a:endParaRPr lang="zh-CN" altLang="en-US"/>
           </a:p>
@@ -2367,7 +2367,7 @@
           <a:p>
             <a:fld id="{5F1BC084-DFB1-4E79-A1F2-869BFFBA2FE4}" type="datetimeFigureOut">
               <a:rPr lang="zh-CN" altLang="en-US" smtClean="0"/>
-              <a:t>2017/9/9</a:t>
+              <a:t>2017/9/17</a:t>
             </a:fld>
             <a:endParaRPr lang="zh-CN" altLang="en-US"/>
           </a:p>
@@ -2580,7 +2580,7 @@
           <a:p>
             <a:fld id="{5F1BC084-DFB1-4E79-A1F2-869BFFBA2FE4}" type="datetimeFigureOut">
               <a:rPr lang="zh-CN" altLang="en-US" smtClean="0"/>
-              <a:t>2017/9/9</a:t>
+              <a:t>2017/9/17</a:t>
             </a:fld>
             <a:endParaRPr lang="zh-CN" altLang="en-US"/>
           </a:p>
@@ -5463,25 +5463,6 @@
           </a:p>
         </p:txBody>
       </p:sp>
-      <p:sp>
-        <p:nvSpPr>
-          <p:cNvPr id="3" name="内容占位符 2"/>
-          <p:cNvSpPr>
-            <a:spLocks noGrp="1"/>
-          </p:cNvSpPr>
-          <p:nvPr>
-            <p:ph idx="1"/>
-          </p:nvPr>
-        </p:nvSpPr>
-        <p:spPr/>
-        <p:txBody>
-          <a:bodyPr/>
-          <a:lstStyle/>
-          <a:p>
-            <a:endParaRPr lang="zh-CN" altLang="en-US" dirty="0"/>
-          </a:p>
-        </p:txBody>
-      </p:sp>
     </p:spTree>
     <p:extLst>
       <p:ext uri="{BB962C8B-B14F-4D97-AF65-F5344CB8AC3E}">
@@ -5492,6 +5473,13 @@
   <p:clrMapOvr>
     <a:masterClrMapping/>
   </p:clrMapOvr>
+  <p:timing>
+    <p:tnLst>
+      <p:par>
+        <p:cTn id="1" dur="indefinite" restart="never" nodeType="tmRoot"/>
+      </p:par>
+    </p:tnLst>
+  </p:timing>
 </p:sld>
 </file>
 
@@ -5572,6 +5560,13 @@
   <p:clrMapOvr>
     <a:masterClrMapping/>
   </p:clrMapOvr>
+  <p:timing>
+    <p:tnLst>
+      <p:par>
+        <p:cTn id="1" dur="indefinite" restart="never" nodeType="tmRoot"/>
+      </p:par>
+    </p:tnLst>
+  </p:timing>
 </p:sld>
 </file>
 

--- a/resources/MongoDB/mongodb.pptx
+++ b/resources/MongoDB/mongodb.pptx
@@ -18,10 +18,6 @@
     <p:sldId id="265" r:id="rId12"/>
     <p:sldId id="266" r:id="rId13"/>
     <p:sldId id="267" r:id="rId14"/>
-    <p:sldId id="268" r:id="rId15"/>
-    <p:sldId id="269" r:id="rId16"/>
-    <p:sldId id="270" r:id="rId17"/>
-    <p:sldId id="271" r:id="rId18"/>
   </p:sldIdLst>
   <p:sldSz cx="12192000" cy="6858000"/>
   <p:notesSz cx="6858000" cy="9144000"/>
@@ -122,7 +118,7 @@
   </p:defaultTextStyle>
   <p:extLst>
     <p:ext uri="{EFAFB233-063F-42B5-8137-9DF3F51BA10A}">
-      <p15:sldGuideLst xmlns:p15="http://schemas.microsoft.com/office/powerpoint/2012/main"/>
+      <p15:sldGuideLst xmlns:p15="http://schemas.microsoft.com/office/powerpoint/2012/main" xmlns=""/>
     </p:ext>
   </p:extLst>
 </p:presentation>
@@ -259,7 +255,7 @@
           <a:p>
             <a:fld id="{5F1BC084-DFB1-4E79-A1F2-869BFFBA2FE4}" type="datetimeFigureOut">
               <a:rPr lang="zh-CN" altLang="en-US" smtClean="0"/>
-              <a:t>2017/9/17</a:t>
+              <a:t>2017/9/21</a:t>
             </a:fld>
             <a:endParaRPr lang="zh-CN" altLang="en-US"/>
           </a:p>
@@ -429,7 +425,7 @@
           <a:p>
             <a:fld id="{5F1BC084-DFB1-4E79-A1F2-869BFFBA2FE4}" type="datetimeFigureOut">
               <a:rPr lang="zh-CN" altLang="en-US" smtClean="0"/>
-              <a:t>2017/9/17</a:t>
+              <a:t>2017/9/21</a:t>
             </a:fld>
             <a:endParaRPr lang="zh-CN" altLang="en-US"/>
           </a:p>
@@ -609,7 +605,7 @@
           <a:p>
             <a:fld id="{5F1BC084-DFB1-4E79-A1F2-869BFFBA2FE4}" type="datetimeFigureOut">
               <a:rPr lang="zh-CN" altLang="en-US" smtClean="0"/>
-              <a:t>2017/9/17</a:t>
+              <a:t>2017/9/21</a:t>
             </a:fld>
             <a:endParaRPr lang="zh-CN" altLang="en-US"/>
           </a:p>
@@ -779,7 +775,7 @@
           <a:p>
             <a:fld id="{5F1BC084-DFB1-4E79-A1F2-869BFFBA2FE4}" type="datetimeFigureOut">
               <a:rPr lang="zh-CN" altLang="en-US" smtClean="0"/>
-              <a:t>2017/9/17</a:t>
+              <a:t>2017/9/21</a:t>
             </a:fld>
             <a:endParaRPr lang="zh-CN" altLang="en-US"/>
           </a:p>
@@ -1025,7 +1021,7 @@
           <a:p>
             <a:fld id="{5F1BC084-DFB1-4E79-A1F2-869BFFBA2FE4}" type="datetimeFigureOut">
               <a:rPr lang="zh-CN" altLang="en-US" smtClean="0"/>
-              <a:t>2017/9/17</a:t>
+              <a:t>2017/9/21</a:t>
             </a:fld>
             <a:endParaRPr lang="zh-CN" altLang="en-US"/>
           </a:p>
@@ -1257,7 +1253,7 @@
           <a:p>
             <a:fld id="{5F1BC084-DFB1-4E79-A1F2-869BFFBA2FE4}" type="datetimeFigureOut">
               <a:rPr lang="zh-CN" altLang="en-US" smtClean="0"/>
-              <a:t>2017/9/17</a:t>
+              <a:t>2017/9/21</a:t>
             </a:fld>
             <a:endParaRPr lang="zh-CN" altLang="en-US"/>
           </a:p>
@@ -1624,7 +1620,7 @@
           <a:p>
             <a:fld id="{5F1BC084-DFB1-4E79-A1F2-869BFFBA2FE4}" type="datetimeFigureOut">
               <a:rPr lang="zh-CN" altLang="en-US" smtClean="0"/>
-              <a:t>2017/9/17</a:t>
+              <a:t>2017/9/21</a:t>
             </a:fld>
             <a:endParaRPr lang="zh-CN" altLang="en-US"/>
           </a:p>
@@ -1742,7 +1738,7 @@
           <a:p>
             <a:fld id="{5F1BC084-DFB1-4E79-A1F2-869BFFBA2FE4}" type="datetimeFigureOut">
               <a:rPr lang="zh-CN" altLang="en-US" smtClean="0"/>
-              <a:t>2017/9/17</a:t>
+              <a:t>2017/9/21</a:t>
             </a:fld>
             <a:endParaRPr lang="zh-CN" altLang="en-US"/>
           </a:p>
@@ -1837,7 +1833,7 @@
           <a:p>
             <a:fld id="{5F1BC084-DFB1-4E79-A1F2-869BFFBA2FE4}" type="datetimeFigureOut">
               <a:rPr lang="zh-CN" altLang="en-US" smtClean="0"/>
-              <a:t>2017/9/17</a:t>
+              <a:t>2017/9/21</a:t>
             </a:fld>
             <a:endParaRPr lang="zh-CN" altLang="en-US"/>
           </a:p>
@@ -2114,7 +2110,7 @@
           <a:p>
             <a:fld id="{5F1BC084-DFB1-4E79-A1F2-869BFFBA2FE4}" type="datetimeFigureOut">
               <a:rPr lang="zh-CN" altLang="en-US" smtClean="0"/>
-              <a:t>2017/9/17</a:t>
+              <a:t>2017/9/21</a:t>
             </a:fld>
             <a:endParaRPr lang="zh-CN" altLang="en-US"/>
           </a:p>
@@ -2367,7 +2363,7 @@
           <a:p>
             <a:fld id="{5F1BC084-DFB1-4E79-A1F2-869BFFBA2FE4}" type="datetimeFigureOut">
               <a:rPr lang="zh-CN" altLang="en-US" smtClean="0"/>
-              <a:t>2017/9/17</a:t>
+              <a:t>2017/9/21</a:t>
             </a:fld>
             <a:endParaRPr lang="zh-CN" altLang="en-US"/>
           </a:p>
@@ -2580,7 +2576,7 @@
           <a:p>
             <a:fld id="{5F1BC084-DFB1-4E79-A1F2-869BFFBA2FE4}" type="datetimeFigureOut">
               <a:rPr lang="zh-CN" altLang="en-US" smtClean="0"/>
-              <a:t>2017/9/17</a:t>
+              <a:t>2017/9/21</a:t>
             </a:fld>
             <a:endParaRPr lang="zh-CN" altLang="en-US"/>
           </a:p>
@@ -2997,7 +2993,7 @@
         </p:nvSpPr>
         <p:spPr>
           <a:xfrm>
-            <a:off x="1428465" y="385385"/>
+            <a:off x="1402088" y="763455"/>
             <a:ext cx="9144000" cy="638198"/>
           </a:xfrm>
         </p:spPr>
@@ -3031,7 +3027,7 @@
         </p:nvSpPr>
         <p:spPr>
           <a:xfrm>
-            <a:off x="1291988" y="2974240"/>
+            <a:off x="1415080" y="3616079"/>
             <a:ext cx="9144000" cy="1655762"/>
           </a:xfrm>
         </p:spPr>
@@ -3052,7 +3048,7 @@
           <a:p>
             <a:r>
               <a:rPr lang="en-US" altLang="zh-CN" dirty="0" smtClean="0"/>
-              <a:t>2017-09</a:t>
+              <a:t>2017-09-21</a:t>
             </a:r>
             <a:endParaRPr lang="zh-CN" altLang="en-US" dirty="0"/>
           </a:p>
@@ -3111,36 +3107,183 @@
           <a:lstStyle/>
           <a:p>
             <a:r>
-              <a:rPr lang="en-US" altLang="zh-CN" dirty="0" err="1" smtClean="0"/>
-              <a:t>MongoDB</a:t>
-            </a:r>
-            <a:r>
               <a:rPr lang="en-US" altLang="zh-CN" dirty="0" smtClean="0"/>
-              <a:t> </a:t>
-            </a:r>
-            <a:r>
-              <a:rPr lang="en-US" altLang="zh-CN" dirty="0" err="1" smtClean="0"/>
+              <a:t>MongoDB mapReduce</a:t>
+            </a:r>
+            <a:endParaRPr lang="zh-CN" altLang="en-US" dirty="0"/>
+          </a:p>
+        </p:txBody>
+      </p:sp>
+      <p:pic>
+        <p:nvPicPr>
+          <p:cNvPr id="1027" name="Picture 3"/>
+          <p:cNvPicPr>
+            <a:picLocks noChangeAspect="1" noChangeArrowheads="1"/>
+          </p:cNvPicPr>
+          <p:nvPr/>
+        </p:nvPicPr>
+        <p:blipFill>
+          <a:blip r:embed="rId2">
+            <a:extLst>
+              <a:ext uri="{28A0092B-C50C-407E-A947-70E740481C1C}">
+                <a14:useLocalDpi xmlns:a14="http://schemas.microsoft.com/office/drawing/2010/main" val="0"/>
+              </a:ext>
+            </a:extLst>
+          </a:blip>
+          <a:srcRect/>
+          <a:stretch>
+            <a:fillRect/>
+          </a:stretch>
+        </p:blipFill>
+        <p:spPr bwMode="auto">
+          <a:xfrm>
+            <a:off x="1043721" y="1927348"/>
+            <a:ext cx="3914775" cy="3495675"/>
+          </a:xfrm>
+          <a:prstGeom prst="rect">
+            <a:avLst/>
+          </a:prstGeom>
+          <a:noFill/>
+          <a:ln>
+            <a:noFill/>
+          </a:ln>
+          <a:effectLst/>
+          <a:extLst>
+            <a:ext uri="{909E8E84-426E-40DD-AFC4-6F175D3DCCD1}">
+              <a14:hiddenFill xmlns:a14="http://schemas.microsoft.com/office/drawing/2010/main">
+                <a:solidFill>
+                  <a:schemeClr val="accent1"/>
+                </a:solidFill>
+              </a14:hiddenFill>
+            </a:ext>
+            <a:ext uri="{91240B29-F687-4F45-9708-019B960494DF}">
+              <a14:hiddenLine xmlns:a14="http://schemas.microsoft.com/office/drawing/2010/main" w="9525">
+                <a:solidFill>
+                  <a:schemeClr val="tx1"/>
+                </a:solidFill>
+                <a:miter lim="800000"/>
+                <a:headEnd/>
+                <a:tailEnd/>
+              </a14:hiddenLine>
+            </a:ext>
+            <a:ext uri="{AF507438-7753-43E0-B8FC-AC1667EBCBE1}">
+              <a14:hiddenEffects xmlns:a14="http://schemas.microsoft.com/office/drawing/2010/main">
+                <a:effectLst>
+                  <a:outerShdw dist="35921" dir="2700000" algn="ctr" rotWithShape="0">
+                    <a:schemeClr val="bg2"/>
+                  </a:outerShdw>
+                </a:effectLst>
+              </a14:hiddenEffects>
+            </a:ext>
+          </a:extLst>
+        </p:spPr>
+      </p:pic>
+      <p:pic>
+        <p:nvPicPr>
+          <p:cNvPr id="1028" name="Picture 4"/>
+          <p:cNvPicPr>
+            <a:picLocks noChangeAspect="1" noChangeArrowheads="1"/>
+          </p:cNvPicPr>
+          <p:nvPr/>
+        </p:nvPicPr>
+        <p:blipFill>
+          <a:blip r:embed="rId3">
+            <a:extLst>
+              <a:ext uri="{28A0092B-C50C-407E-A947-70E740481C1C}">
+                <a14:useLocalDpi xmlns:a14="http://schemas.microsoft.com/office/drawing/2010/main" val="0"/>
+              </a:ext>
+            </a:extLst>
+          </a:blip>
+          <a:srcRect/>
+          <a:stretch>
+            <a:fillRect/>
+          </a:stretch>
+        </p:blipFill>
+        <p:spPr bwMode="auto">
+          <a:xfrm>
+            <a:off x="4958496" y="1927348"/>
+            <a:ext cx="6048375" cy="3657600"/>
+          </a:xfrm>
+          <a:prstGeom prst="rect">
+            <a:avLst/>
+          </a:prstGeom>
+          <a:noFill/>
+          <a:ln>
+            <a:noFill/>
+          </a:ln>
+          <a:effectLst/>
+          <a:extLst>
+            <a:ext uri="{909E8E84-426E-40DD-AFC4-6F175D3DCCD1}">
+              <a14:hiddenFill xmlns:a14="http://schemas.microsoft.com/office/drawing/2010/main">
+                <a:solidFill>
+                  <a:schemeClr val="accent1"/>
+                </a:solidFill>
+              </a14:hiddenFill>
+            </a:ext>
+            <a:ext uri="{91240B29-F687-4F45-9708-019B960494DF}">
+              <a14:hiddenLine xmlns:a14="http://schemas.microsoft.com/office/drawing/2010/main" w="9525">
+                <a:solidFill>
+                  <a:schemeClr val="tx1"/>
+                </a:solidFill>
+                <a:miter lim="800000"/>
+                <a:headEnd/>
+                <a:tailEnd/>
+              </a14:hiddenLine>
+            </a:ext>
+            <a:ext uri="{AF507438-7753-43E0-B8FC-AC1667EBCBE1}">
+              <a14:hiddenEffects xmlns:a14="http://schemas.microsoft.com/office/drawing/2010/main">
+                <a:effectLst>
+                  <a:outerShdw dist="35921" dir="2700000" algn="ctr" rotWithShape="0">
+                    <a:schemeClr val="bg2"/>
+                  </a:outerShdw>
+                </a:effectLst>
+              </a14:hiddenEffects>
+            </a:ext>
+          </a:extLst>
+        </p:spPr>
+      </p:pic>
+      <p:sp>
+        <p:nvSpPr>
+          <p:cNvPr id="5" name="椭圆 4"/>
+          <p:cNvSpPr/>
+          <p:nvPr/>
+        </p:nvSpPr>
+        <p:spPr>
+          <a:xfrm>
+            <a:off x="8625254" y="5423023"/>
+            <a:ext cx="2584938" cy="942608"/>
+          </a:xfrm>
+          <a:prstGeom prst="ellipse">
+            <a:avLst/>
+          </a:prstGeom>
+        </p:spPr>
+        <p:style>
+          <a:lnRef idx="2">
+            <a:schemeClr val="accent1">
+              <a:shade val="50000"/>
+            </a:schemeClr>
+          </a:lnRef>
+          <a:fillRef idx="1">
+            <a:schemeClr val="accent1"/>
+          </a:fillRef>
+          <a:effectRef idx="0">
+            <a:schemeClr val="accent1"/>
+          </a:effectRef>
+          <a:fontRef idx="minor">
+            <a:schemeClr val="lt1"/>
+          </a:fontRef>
+        </p:style>
+        <p:txBody>
+          <a:bodyPr rtlCol="0" anchor="ctr"/>
+          <a:lstStyle/>
+          <a:p>
+            <a:pPr algn="ctr"/>
+            <a:r>
+              <a:rPr lang="en-US" altLang="zh-CN" dirty="0" smtClean="0">
+                <a:hlinkClick r:id="rId4" action="ppaction://hlinkfile"/>
+              </a:rPr>
               <a:t>mapReduce</a:t>
             </a:r>
-            <a:endParaRPr lang="zh-CN" altLang="en-US" dirty="0"/>
-          </a:p>
-        </p:txBody>
-      </p:sp>
-      <p:sp>
-        <p:nvSpPr>
-          <p:cNvPr id="3" name="内容占位符 2"/>
-          <p:cNvSpPr>
-            <a:spLocks noGrp="1"/>
-          </p:cNvSpPr>
-          <p:nvPr>
-            <p:ph idx="1"/>
-          </p:nvPr>
-        </p:nvSpPr>
-        <p:spPr/>
-        <p:txBody>
-          <a:bodyPr/>
-          <a:lstStyle/>
-          <a:p>
             <a:endParaRPr lang="zh-CN" altLang="en-US" dirty="0"/>
           </a:p>
         </p:txBody>
@@ -3155,6 +3298,13 @@
   <p:clrMapOvr>
     <a:masterClrMapping/>
   </p:clrMapOvr>
+  <p:timing>
+    <p:tnLst>
+      <p:par>
+        <p:cTn id="1" dur="indefinite" restart="never" nodeType="tmRoot"/>
+      </p:par>
+    </p:tnLst>
+  </p:timing>
 </p:sld>
 </file>
 
@@ -3191,12 +3341,8 @@
           <a:lstStyle/>
           <a:p>
             <a:r>
-              <a:rPr lang="en-US" altLang="zh-CN" dirty="0" err="1" smtClean="0"/>
-              <a:t>MongoDB</a:t>
-            </a:r>
-            <a:r>
               <a:rPr lang="en-US" altLang="zh-CN" dirty="0" smtClean="0"/>
-              <a:t> </a:t>
+              <a:t>MongoDB </a:t>
             </a:r>
             <a:r>
               <a:rPr lang="zh-CN" altLang="en-US" dirty="0" smtClean="0"/>
@@ -3216,12 +3362,188 @@
             <p:ph idx="1"/>
           </p:nvPr>
         </p:nvSpPr>
-        <p:spPr/>
-        <p:txBody>
-          <a:bodyPr/>
-          <a:lstStyle/>
-          <a:p>
-            <a:endParaRPr lang="zh-CN" altLang="en-US"/>
+        <p:spPr>
+          <a:xfrm>
+            <a:off x="838200" y="1825625"/>
+            <a:ext cx="5017477" cy="4351338"/>
+          </a:xfrm>
+        </p:spPr>
+        <p:txBody>
+          <a:bodyPr/>
+          <a:lstStyle/>
+          <a:p>
+            <a:r>
+              <a:rPr lang="en-US" altLang="zh-CN" b="1" dirty="0" err="1"/>
+              <a:t>mongodb</a:t>
+            </a:r>
+            <a:r>
+              <a:rPr lang="zh-CN" altLang="en-US" b="1" dirty="0"/>
+              <a:t>单实例。这种配置只适合简易开发时使用，生产使用不行，因为单节点挂掉整个数据业务全挂</a:t>
+            </a:r>
+            <a:endParaRPr lang="zh-CN" altLang="en-US" dirty="0"/>
+          </a:p>
+          <a:p>
+            <a:r>
+              <a:rPr lang="zh-CN" altLang="en-US" b="1" dirty="0"/>
+              <a:t>主从模式：采用主从复制，主节点挂掉后，从节点可以接替主节点，继续服务。所以这种模式的服务比单节点服务要好很多</a:t>
+            </a:r>
+            <a:endParaRPr lang="zh-CN" altLang="en-US" dirty="0"/>
+          </a:p>
+          <a:p>
+            <a:endParaRPr lang="zh-CN" altLang="en-US" dirty="0"/>
+          </a:p>
+        </p:txBody>
+      </p:sp>
+      <p:sp>
+        <p:nvSpPr>
+          <p:cNvPr id="4" name="椭圆 3"/>
+          <p:cNvSpPr/>
+          <p:nvPr/>
+        </p:nvSpPr>
+        <p:spPr>
+          <a:xfrm>
+            <a:off x="8994531" y="5222631"/>
+            <a:ext cx="2681654" cy="1160584"/>
+          </a:xfrm>
+          <a:prstGeom prst="ellipse">
+            <a:avLst/>
+          </a:prstGeom>
+        </p:spPr>
+        <p:style>
+          <a:lnRef idx="2">
+            <a:schemeClr val="accent1">
+              <a:shade val="50000"/>
+            </a:schemeClr>
+          </a:lnRef>
+          <a:fillRef idx="1">
+            <a:schemeClr val="accent1"/>
+          </a:fillRef>
+          <a:effectRef idx="0">
+            <a:schemeClr val="accent1"/>
+          </a:effectRef>
+          <a:fontRef idx="minor">
+            <a:schemeClr val="lt1"/>
+          </a:fontRef>
+        </p:style>
+        <p:txBody>
+          <a:bodyPr rtlCol="0" anchor="ctr"/>
+          <a:lstStyle/>
+          <a:p>
+            <a:pPr algn="ctr"/>
+            <a:r>
+              <a:rPr lang="en-US" altLang="zh-CN" dirty="0" smtClean="0">
+                <a:hlinkClick r:id="rId2" action="ppaction://hlinkfile"/>
+              </a:rPr>
+              <a:t>Mongodb </a:t>
+            </a:r>
+            <a:r>
+              <a:rPr lang="zh-CN" altLang="en-US" dirty="0" smtClean="0">
+                <a:hlinkClick r:id="rId2" action="ppaction://hlinkfile"/>
+              </a:rPr>
+              <a:t>副本集</a:t>
+            </a:r>
+            <a:endParaRPr lang="zh-CN" altLang="en-US" dirty="0"/>
+          </a:p>
+        </p:txBody>
+      </p:sp>
+      <p:sp>
+        <p:nvSpPr>
+          <p:cNvPr id="5" name="TextBox 4"/>
+          <p:cNvSpPr txBox="1"/>
+          <p:nvPr/>
+        </p:nvSpPr>
+        <p:spPr>
+          <a:xfrm>
+            <a:off x="6005146" y="1815103"/>
+            <a:ext cx="6031523" cy="3416320"/>
+          </a:xfrm>
+          <a:prstGeom prst="rect">
+            <a:avLst/>
+          </a:prstGeom>
+          <a:noFill/>
+        </p:spPr>
+        <p:txBody>
+          <a:bodyPr wrap="square" rtlCol="0">
+            <a:spAutoFit/>
+          </a:bodyPr>
+          <a:lstStyle/>
+          <a:p>
+            <a:r>
+              <a:rPr lang="zh-CN" altLang="en-US" b="1" dirty="0"/>
+              <a:t>优点：</a:t>
+            </a:r>
+            <a:endParaRPr lang="zh-CN" altLang="en-US" dirty="0"/>
+          </a:p>
+          <a:p>
+            <a:r>
+              <a:rPr lang="zh-CN" altLang="en-US" b="1" dirty="0"/>
+              <a:t>读写分离</a:t>
+            </a:r>
+            <a:r>
+              <a:rPr lang="en-US" altLang="zh-CN" b="1" dirty="0"/>
+              <a:t>: </a:t>
+            </a:r>
+            <a:r>
+              <a:rPr lang="zh-CN" altLang="en-US" b="1" dirty="0"/>
+              <a:t>写操作走主节点，从节点同步主节点数据，读操作走从节点。</a:t>
+            </a:r>
+            <a:endParaRPr lang="zh-CN" altLang="en-US" dirty="0"/>
+          </a:p>
+          <a:p>
+            <a:r>
+              <a:rPr lang="zh-CN" altLang="en-US" b="1" dirty="0"/>
+              <a:t>可靠性：主节点挂掉后，从节点可以接替主节点，继续</a:t>
+            </a:r>
+            <a:r>
+              <a:rPr lang="zh-CN" altLang="en-US" b="1" dirty="0" smtClean="0"/>
+              <a:t>服务</a:t>
+            </a:r>
+            <a:endParaRPr lang="zh-CN" altLang="en-US" dirty="0"/>
+          </a:p>
+          <a:p>
+            <a:r>
+              <a:rPr lang="zh-CN" altLang="en-US" b="1" dirty="0"/>
+              <a:t>不足：</a:t>
+            </a:r>
+            <a:endParaRPr lang="zh-CN" altLang="en-US" dirty="0"/>
+          </a:p>
+          <a:p>
+            <a:r>
+              <a:rPr lang="zh-CN" altLang="en-US" b="1" dirty="0"/>
+              <a:t>主节点挂掉后，从节点不能自动切换到主节点，需要手动切换。</a:t>
+            </a:r>
+            <a:endParaRPr lang="zh-CN" altLang="en-US" dirty="0"/>
+          </a:p>
+          <a:p>
+            <a:r>
+              <a:rPr lang="zh-CN" altLang="en-US" b="1" dirty="0"/>
+              <a:t>所有写压力都落在一个</a:t>
+            </a:r>
+            <a:r>
+              <a:rPr lang="en-US" altLang="zh-CN" b="1" dirty="0"/>
+              <a:t>master</a:t>
+            </a:r>
+            <a:r>
+              <a:rPr lang="zh-CN" altLang="en-US" b="1" dirty="0"/>
+              <a:t>上，压力过大。</a:t>
+            </a:r>
+            <a:endParaRPr lang="zh-CN" altLang="en-US" dirty="0"/>
+          </a:p>
+          <a:p>
+            <a:r>
+              <a:rPr lang="zh-CN" altLang="en-US" b="1" dirty="0"/>
+              <a:t>从节点每个上面的数据都是对主节点的全量拷贝，从节点压力过大</a:t>
+            </a:r>
+            <a:endParaRPr lang="zh-CN" altLang="en-US" dirty="0"/>
+          </a:p>
+          <a:p>
+            <a:r>
+              <a:rPr lang="zh-CN" altLang="en-US" b="1" dirty="0"/>
+              <a:t>可扩展性不强</a:t>
+            </a:r>
+            <a:endParaRPr lang="zh-CN" altLang="en-US" dirty="0">
+              <a:effectLst/>
+            </a:endParaRPr>
           </a:p>
         </p:txBody>
       </p:sp>
@@ -3271,12 +3593,8 @@
           <a:lstStyle/>
           <a:p>
             <a:r>
-              <a:rPr lang="en-US" altLang="zh-CN" dirty="0" err="1" smtClean="0"/>
-              <a:t>MongoDB</a:t>
-            </a:r>
-            <a:r>
               <a:rPr lang="en-US" altLang="zh-CN" dirty="0" smtClean="0"/>
-              <a:t> </a:t>
+              <a:t>MongoDB </a:t>
             </a:r>
             <a:r>
               <a:rPr lang="zh-CN" altLang="en-US" dirty="0" smtClean="0"/>
@@ -3296,20 +3614,59 @@
       </p:sp>
       <p:sp>
         <p:nvSpPr>
-          <p:cNvPr id="3" name="内容占位符 2"/>
-          <p:cNvSpPr>
-            <a:spLocks noGrp="1"/>
-          </p:cNvSpPr>
-          <p:nvPr>
-            <p:ph idx="1"/>
-          </p:nvPr>
-        </p:nvSpPr>
-        <p:spPr/>
-        <p:txBody>
-          <a:bodyPr/>
-          <a:lstStyle/>
-          <a:p>
-            <a:endParaRPr lang="zh-CN" altLang="en-US"/>
+          <p:cNvPr id="4" name="椭圆 3"/>
+          <p:cNvSpPr/>
+          <p:nvPr/>
+        </p:nvSpPr>
+        <p:spPr>
+          <a:xfrm>
+            <a:off x="8581293" y="4536830"/>
+            <a:ext cx="2286000" cy="1134207"/>
+          </a:xfrm>
+          <a:prstGeom prst="ellipse">
+            <a:avLst/>
+          </a:prstGeom>
+        </p:spPr>
+        <p:style>
+          <a:lnRef idx="2">
+            <a:schemeClr val="accent1">
+              <a:shade val="50000"/>
+            </a:schemeClr>
+          </a:lnRef>
+          <a:fillRef idx="1">
+            <a:schemeClr val="accent1"/>
+          </a:fillRef>
+          <a:effectRef idx="0">
+            <a:schemeClr val="accent1"/>
+          </a:effectRef>
+          <a:fontRef idx="minor">
+            <a:schemeClr val="lt1"/>
+          </a:fontRef>
+        </p:style>
+        <p:txBody>
+          <a:bodyPr rtlCol="0" anchor="ctr"/>
+          <a:lstStyle/>
+          <a:p>
+            <a:pPr algn="ctr"/>
+            <a:r>
+              <a:rPr lang="zh-CN" altLang="en-US" dirty="0" smtClean="0">
+                <a:hlinkClick r:id="rId2" action="ppaction://hlinkfile"/>
+              </a:rPr>
+              <a:t>分片</a:t>
+            </a:r>
+            <a:r>
+              <a:rPr lang="en-US" altLang="zh-CN" dirty="0" smtClean="0">
+                <a:hlinkClick r:id="rId2" action="ppaction://hlinkfile"/>
+              </a:rPr>
+              <a:t>+</a:t>
+            </a:r>
+            <a:r>
+              <a:rPr lang="zh-CN" altLang="en-US" dirty="0" smtClean="0">
+                <a:hlinkClick r:id="rId2" action="ppaction://hlinkfile"/>
+              </a:rPr>
+              <a:t>副本集</a:t>
+            </a:r>
+            <a:endParaRPr lang="zh-CN" altLang="en-US" dirty="0"/>
           </a:p>
         </p:txBody>
       </p:sp>
@@ -3345,39 +3702,134 @@
       </p:grpSpPr>
       <p:sp>
         <p:nvSpPr>
-          <p:cNvPr id="2" name="标题 1"/>
-          <p:cNvSpPr>
-            <a:spLocks noGrp="1"/>
-          </p:cNvSpPr>
-          <p:nvPr>
-            <p:ph type="title"/>
-          </p:nvPr>
-        </p:nvSpPr>
-        <p:spPr/>
-        <p:txBody>
-          <a:bodyPr/>
-          <a:lstStyle/>
-          <a:p>
-            <a:endParaRPr lang="zh-CN" altLang="en-US"/>
-          </a:p>
-        </p:txBody>
-      </p:sp>
-      <p:sp>
-        <p:nvSpPr>
-          <p:cNvPr id="3" name="内容占位符 2"/>
-          <p:cNvSpPr>
-            <a:spLocks noGrp="1"/>
-          </p:cNvSpPr>
-          <p:nvPr>
-            <p:ph idx="1"/>
-          </p:nvPr>
-        </p:nvSpPr>
-        <p:spPr/>
-        <p:txBody>
-          <a:bodyPr/>
-          <a:lstStyle/>
-          <a:p>
-            <a:endParaRPr lang="zh-CN" altLang="en-US"/>
+          <p:cNvPr id="5" name="矩形 4"/>
+          <p:cNvSpPr/>
+          <p:nvPr/>
+        </p:nvSpPr>
+        <p:spPr>
+          <a:xfrm>
+            <a:off x="3995113" y="2413420"/>
+            <a:ext cx="4260864" cy="1323439"/>
+          </a:xfrm>
+          <a:prstGeom prst="rect">
+            <a:avLst/>
+          </a:prstGeom>
+          <a:noFill/>
+        </p:spPr>
+        <p:txBody>
+          <a:bodyPr wrap="square" lIns="91440" tIns="45720" rIns="91440" bIns="45720">
+            <a:spAutoFit/>
+          </a:bodyPr>
+          <a:lstStyle/>
+          <a:p>
+            <a:pPr algn="ctr"/>
+            <a:r>
+              <a:rPr lang="en-US" altLang="zh-CN" sz="8000" b="1" cap="none" spc="0" dirty="0" smtClean="0">
+                <a:ln w="17780" cmpd="sng">
+                  <a:solidFill>
+                    <a:srgbClr val="FFFFFF"/>
+                  </a:solidFill>
+                  <a:prstDash val="solid"/>
+                  <a:miter lim="800000"/>
+                </a:ln>
+                <a:gradFill rotWithShape="1">
+                  <a:gsLst>
+                    <a:gs pos="0">
+                      <a:srgbClr val="000000">
+                        <a:tint val="92000"/>
+                        <a:shade val="100000"/>
+                        <a:satMod val="150000"/>
+                      </a:srgbClr>
+                    </a:gs>
+                    <a:gs pos="49000">
+                      <a:srgbClr val="000000">
+                        <a:tint val="89000"/>
+                        <a:shade val="90000"/>
+                        <a:satMod val="150000"/>
+                      </a:srgbClr>
+                    </a:gs>
+                    <a:gs pos="50000">
+                      <a:srgbClr val="000000">
+                        <a:tint val="100000"/>
+                        <a:shade val="75000"/>
+                        <a:satMod val="150000"/>
+                      </a:srgbClr>
+                    </a:gs>
+                    <a:gs pos="95000">
+                      <a:srgbClr val="000000">
+                        <a:shade val="47000"/>
+                        <a:satMod val="150000"/>
+                      </a:srgbClr>
+                    </a:gs>
+                    <a:gs pos="100000">
+                      <a:srgbClr val="000000">
+                        <a:shade val="39000"/>
+                        <a:satMod val="150000"/>
+                      </a:srgbClr>
+                    </a:gs>
+                  </a:gsLst>
+                  <a:lin ang="5400000"/>
+                </a:gradFill>
+                <a:effectLst>
+                  <a:outerShdw blurRad="50800" algn="tl" rotWithShape="0">
+                    <a:srgbClr val="000000"/>
+                  </a:outerShdw>
+                </a:effectLst>
+              </a:rPr>
+              <a:t>Thanks</a:t>
+            </a:r>
+            <a:endParaRPr lang="zh-CN" altLang="en-US" sz="8000" b="1" cap="none" spc="0" dirty="0">
+              <a:ln w="17780" cmpd="sng">
+                <a:solidFill>
+                  <a:srgbClr val="FFFFFF"/>
+                </a:solidFill>
+                <a:prstDash val="solid"/>
+                <a:miter lim="800000"/>
+              </a:ln>
+              <a:gradFill rotWithShape="1">
+                <a:gsLst>
+                  <a:gs pos="0">
+                    <a:srgbClr val="000000">
+                      <a:tint val="92000"/>
+                      <a:shade val="100000"/>
+                      <a:satMod val="150000"/>
+                    </a:srgbClr>
+                  </a:gs>
+                  <a:gs pos="49000">
+                    <a:srgbClr val="000000">
+                      <a:tint val="89000"/>
+                      <a:shade val="90000"/>
+                      <a:satMod val="150000"/>
+                    </a:srgbClr>
+                  </a:gs>
+                  <a:gs pos="50000">
+                    <a:srgbClr val="000000">
+                      <a:tint val="100000"/>
+                      <a:shade val="75000"/>
+                      <a:satMod val="150000"/>
+                    </a:srgbClr>
+                  </a:gs>
+                  <a:gs pos="95000">
+                    <a:srgbClr val="000000">
+                      <a:shade val="47000"/>
+                      <a:satMod val="150000"/>
+                    </a:srgbClr>
+                  </a:gs>
+                  <a:gs pos="100000">
+                    <a:srgbClr val="000000">
+                      <a:shade val="39000"/>
+                      <a:satMod val="150000"/>
+                    </a:srgbClr>
+                  </a:gs>
+                </a:gsLst>
+                <a:lin ang="5400000"/>
+              </a:gradFill>
+              <a:effectLst>
+                <a:outerShdw blurRad="50800" algn="tl" rotWithShape="0">
+                  <a:srgbClr val="000000"/>
+                </a:outerShdw>
+              </a:effectLst>
+            </a:endParaRPr>
           </a:p>
         </p:txBody>
       </p:sp>
@@ -3385,278 +3837,6 @@
     <p:extLst>
       <p:ext uri="{BB962C8B-B14F-4D97-AF65-F5344CB8AC3E}">
         <p14:creationId xmlns:p14="http://schemas.microsoft.com/office/powerpoint/2010/main" val="902548215"/>
-      </p:ext>
-    </p:extLst>
-  </p:cSld>
-  <p:clrMapOvr>
-    <a:masterClrMapping/>
-  </p:clrMapOvr>
-</p:sld>
-</file>
-
-<file path=ppt/slides/slide14.xml><?xml version="1.0" encoding="utf-8"?>
-<p:sld xmlns:a="http://schemas.openxmlformats.org/drawingml/2006/main" xmlns:r="http://schemas.openxmlformats.org/officeDocument/2006/relationships" xmlns:p="http://schemas.openxmlformats.org/presentationml/2006/main">
-  <p:cSld>
-    <p:spTree>
-      <p:nvGrpSpPr>
-        <p:cNvPr id="1" name=""/>
-        <p:cNvGrpSpPr/>
-        <p:nvPr/>
-      </p:nvGrpSpPr>
-      <p:grpSpPr>
-        <a:xfrm>
-          <a:off x="0" y="0"/>
-          <a:ext cx="0" cy="0"/>
-          <a:chOff x="0" y="0"/>
-          <a:chExt cx="0" cy="0"/>
-        </a:xfrm>
-      </p:grpSpPr>
-      <p:sp>
-        <p:nvSpPr>
-          <p:cNvPr id="2" name="标题 1"/>
-          <p:cNvSpPr>
-            <a:spLocks noGrp="1"/>
-          </p:cNvSpPr>
-          <p:nvPr>
-            <p:ph type="title"/>
-          </p:nvPr>
-        </p:nvSpPr>
-        <p:spPr/>
-        <p:txBody>
-          <a:bodyPr/>
-          <a:lstStyle/>
-          <a:p>
-            <a:endParaRPr lang="zh-CN" altLang="en-US"/>
-          </a:p>
-        </p:txBody>
-      </p:sp>
-      <p:sp>
-        <p:nvSpPr>
-          <p:cNvPr id="3" name="内容占位符 2"/>
-          <p:cNvSpPr>
-            <a:spLocks noGrp="1"/>
-          </p:cNvSpPr>
-          <p:nvPr>
-            <p:ph idx="1"/>
-          </p:nvPr>
-        </p:nvSpPr>
-        <p:spPr/>
-        <p:txBody>
-          <a:bodyPr/>
-          <a:lstStyle/>
-          <a:p>
-            <a:endParaRPr lang="zh-CN" altLang="en-US"/>
-          </a:p>
-        </p:txBody>
-      </p:sp>
-    </p:spTree>
-    <p:extLst>
-      <p:ext uri="{BB962C8B-B14F-4D97-AF65-F5344CB8AC3E}">
-        <p14:creationId xmlns:p14="http://schemas.microsoft.com/office/powerpoint/2010/main" val="3510499018"/>
-      </p:ext>
-    </p:extLst>
-  </p:cSld>
-  <p:clrMapOvr>
-    <a:masterClrMapping/>
-  </p:clrMapOvr>
-</p:sld>
-</file>
-
-<file path=ppt/slides/slide15.xml><?xml version="1.0" encoding="utf-8"?>
-<p:sld xmlns:a="http://schemas.openxmlformats.org/drawingml/2006/main" xmlns:r="http://schemas.openxmlformats.org/officeDocument/2006/relationships" xmlns:p="http://schemas.openxmlformats.org/presentationml/2006/main">
-  <p:cSld>
-    <p:spTree>
-      <p:nvGrpSpPr>
-        <p:cNvPr id="1" name=""/>
-        <p:cNvGrpSpPr/>
-        <p:nvPr/>
-      </p:nvGrpSpPr>
-      <p:grpSpPr>
-        <a:xfrm>
-          <a:off x="0" y="0"/>
-          <a:ext cx="0" cy="0"/>
-          <a:chOff x="0" y="0"/>
-          <a:chExt cx="0" cy="0"/>
-        </a:xfrm>
-      </p:grpSpPr>
-      <p:sp>
-        <p:nvSpPr>
-          <p:cNvPr id="2" name="标题 1"/>
-          <p:cNvSpPr>
-            <a:spLocks noGrp="1"/>
-          </p:cNvSpPr>
-          <p:nvPr>
-            <p:ph type="title"/>
-          </p:nvPr>
-        </p:nvSpPr>
-        <p:spPr/>
-        <p:txBody>
-          <a:bodyPr/>
-          <a:lstStyle/>
-          <a:p>
-            <a:endParaRPr lang="zh-CN" altLang="en-US"/>
-          </a:p>
-        </p:txBody>
-      </p:sp>
-      <p:sp>
-        <p:nvSpPr>
-          <p:cNvPr id="3" name="内容占位符 2"/>
-          <p:cNvSpPr>
-            <a:spLocks noGrp="1"/>
-          </p:cNvSpPr>
-          <p:nvPr>
-            <p:ph idx="1"/>
-          </p:nvPr>
-        </p:nvSpPr>
-        <p:spPr/>
-        <p:txBody>
-          <a:bodyPr/>
-          <a:lstStyle/>
-          <a:p>
-            <a:endParaRPr lang="zh-CN" altLang="en-US"/>
-          </a:p>
-        </p:txBody>
-      </p:sp>
-    </p:spTree>
-    <p:extLst>
-      <p:ext uri="{BB962C8B-B14F-4D97-AF65-F5344CB8AC3E}">
-        <p14:creationId xmlns:p14="http://schemas.microsoft.com/office/powerpoint/2010/main" val="2287014736"/>
-      </p:ext>
-    </p:extLst>
-  </p:cSld>
-  <p:clrMapOvr>
-    <a:masterClrMapping/>
-  </p:clrMapOvr>
-</p:sld>
-</file>
-
-<file path=ppt/slides/slide16.xml><?xml version="1.0" encoding="utf-8"?>
-<p:sld xmlns:a="http://schemas.openxmlformats.org/drawingml/2006/main" xmlns:r="http://schemas.openxmlformats.org/officeDocument/2006/relationships" xmlns:p="http://schemas.openxmlformats.org/presentationml/2006/main">
-  <p:cSld>
-    <p:spTree>
-      <p:nvGrpSpPr>
-        <p:cNvPr id="1" name=""/>
-        <p:cNvGrpSpPr/>
-        <p:nvPr/>
-      </p:nvGrpSpPr>
-      <p:grpSpPr>
-        <a:xfrm>
-          <a:off x="0" y="0"/>
-          <a:ext cx="0" cy="0"/>
-          <a:chOff x="0" y="0"/>
-          <a:chExt cx="0" cy="0"/>
-        </a:xfrm>
-      </p:grpSpPr>
-      <p:sp>
-        <p:nvSpPr>
-          <p:cNvPr id="2" name="标题 1"/>
-          <p:cNvSpPr>
-            <a:spLocks noGrp="1"/>
-          </p:cNvSpPr>
-          <p:nvPr>
-            <p:ph type="title"/>
-          </p:nvPr>
-        </p:nvSpPr>
-        <p:spPr/>
-        <p:txBody>
-          <a:bodyPr/>
-          <a:lstStyle/>
-          <a:p>
-            <a:endParaRPr lang="zh-CN" altLang="en-US"/>
-          </a:p>
-        </p:txBody>
-      </p:sp>
-      <p:sp>
-        <p:nvSpPr>
-          <p:cNvPr id="3" name="内容占位符 2"/>
-          <p:cNvSpPr>
-            <a:spLocks noGrp="1"/>
-          </p:cNvSpPr>
-          <p:nvPr>
-            <p:ph idx="1"/>
-          </p:nvPr>
-        </p:nvSpPr>
-        <p:spPr/>
-        <p:txBody>
-          <a:bodyPr/>
-          <a:lstStyle/>
-          <a:p>
-            <a:endParaRPr lang="zh-CN" altLang="en-US"/>
-          </a:p>
-        </p:txBody>
-      </p:sp>
-    </p:spTree>
-    <p:extLst>
-      <p:ext uri="{BB962C8B-B14F-4D97-AF65-F5344CB8AC3E}">
-        <p14:creationId xmlns:p14="http://schemas.microsoft.com/office/powerpoint/2010/main" val="3590531615"/>
-      </p:ext>
-    </p:extLst>
-  </p:cSld>
-  <p:clrMapOvr>
-    <a:masterClrMapping/>
-  </p:clrMapOvr>
-</p:sld>
-</file>
-
-<file path=ppt/slides/slide17.xml><?xml version="1.0" encoding="utf-8"?>
-<p:sld xmlns:a="http://schemas.openxmlformats.org/drawingml/2006/main" xmlns:r="http://schemas.openxmlformats.org/officeDocument/2006/relationships" xmlns:p="http://schemas.openxmlformats.org/presentationml/2006/main">
-  <p:cSld>
-    <p:spTree>
-      <p:nvGrpSpPr>
-        <p:cNvPr id="1" name=""/>
-        <p:cNvGrpSpPr/>
-        <p:nvPr/>
-      </p:nvGrpSpPr>
-      <p:grpSpPr>
-        <a:xfrm>
-          <a:off x="0" y="0"/>
-          <a:ext cx="0" cy="0"/>
-          <a:chOff x="0" y="0"/>
-          <a:chExt cx="0" cy="0"/>
-        </a:xfrm>
-      </p:grpSpPr>
-      <p:sp>
-        <p:nvSpPr>
-          <p:cNvPr id="2" name="标题 1"/>
-          <p:cNvSpPr>
-            <a:spLocks noGrp="1"/>
-          </p:cNvSpPr>
-          <p:nvPr>
-            <p:ph type="title"/>
-          </p:nvPr>
-        </p:nvSpPr>
-        <p:spPr/>
-        <p:txBody>
-          <a:bodyPr/>
-          <a:lstStyle/>
-          <a:p>
-            <a:endParaRPr lang="zh-CN" altLang="en-US"/>
-          </a:p>
-        </p:txBody>
-      </p:sp>
-      <p:sp>
-        <p:nvSpPr>
-          <p:cNvPr id="3" name="内容占位符 2"/>
-          <p:cNvSpPr>
-            <a:spLocks noGrp="1"/>
-          </p:cNvSpPr>
-          <p:nvPr>
-            <p:ph idx="1"/>
-          </p:nvPr>
-        </p:nvSpPr>
-        <p:spPr/>
-        <p:txBody>
-          <a:bodyPr/>
-          <a:lstStyle/>
-          <a:p>
-            <a:endParaRPr lang="zh-CN" altLang="en-US"/>
-          </a:p>
-        </p:txBody>
-      </p:sp>
-    </p:spTree>
-    <p:extLst>
-      <p:ext uri="{BB962C8B-B14F-4D97-AF65-F5344CB8AC3E}">
-        <p14:creationId xmlns:p14="http://schemas.microsoft.com/office/powerpoint/2010/main" val="1146844467"/>
       </p:ext>
     </p:extLst>
   </p:cSld>
@@ -3789,12 +3969,8 @@
               <a:t>和</a:t>
             </a:r>
             <a:r>
-              <a:rPr lang="en-US" altLang="zh-CN" dirty="0" err="1" smtClean="0"/>
-              <a:t>mapReduce</a:t>
-            </a:r>
-            <a:r>
               <a:rPr lang="en-US" altLang="zh-CN" dirty="0" smtClean="0"/>
-              <a:t> </a:t>
+              <a:t>mapReduce </a:t>
             </a:r>
             <a:r>
               <a:rPr lang="zh-CN" altLang="en-US" dirty="0" smtClean="0"/>
@@ -4226,7 +4402,7 @@
           <a:lstStyle/>
           <a:p>
             <a:r>
-              <a:rPr lang="en-US" altLang="zh-CN" dirty="0" err="1"/>
+              <a:rPr lang="en-US" altLang="zh-CN" dirty="0"/>
               <a:t>MongoDB</a:t>
             </a:r>
             <a:r>
@@ -4316,7 +4492,7 @@
               <a:t>类型。它支持下面数据类型。每个数据类型对应一个数字，在</a:t>
             </a:r>
             <a:r>
-              <a:rPr lang="en-US" altLang="zh-CN" dirty="0" err="1"/>
+              <a:rPr lang="en-US" altLang="zh-CN" dirty="0"/>
               <a:t>MongoDB</a:t>
             </a:r>
             <a:r>
@@ -4452,12 +4628,8 @@
           <a:lstStyle/>
           <a:p>
             <a:r>
-              <a:rPr lang="en-US" altLang="zh-CN" dirty="0" err="1" smtClean="0"/>
-              <a:t>MongoDB</a:t>
-            </a:r>
-            <a:r>
               <a:rPr lang="en-US" altLang="zh-CN" dirty="0" smtClean="0"/>
-              <a:t> </a:t>
+              <a:t>MongoDB </a:t>
             </a:r>
             <a:r>
               <a:rPr lang="zh-CN" altLang="en-US" dirty="0" smtClean="0"/>
@@ -5448,16 +5620,168 @@
           <a:lstStyle/>
           <a:p>
             <a:r>
-              <a:rPr lang="en-US" altLang="zh-CN" dirty="0" err="1" smtClean="0"/>
-              <a:t>MongoDB</a:t>
-            </a:r>
-            <a:r>
               <a:rPr lang="en-US" altLang="zh-CN" dirty="0" smtClean="0"/>
-              <a:t> </a:t>
+              <a:t>MongoDB </a:t>
             </a:r>
             <a:r>
               <a:rPr lang="zh-CN" altLang="en-US" dirty="0" smtClean="0"/>
               <a:t>命令</a:t>
+            </a:r>
+            <a:endParaRPr lang="zh-CN" altLang="en-US" dirty="0"/>
+          </a:p>
+        </p:txBody>
+      </p:sp>
+      <p:sp>
+        <p:nvSpPr>
+          <p:cNvPr id="3" name="椭圆 2"/>
+          <p:cNvSpPr/>
+          <p:nvPr/>
+        </p:nvSpPr>
+        <p:spPr>
+          <a:xfrm>
+            <a:off x="8721969" y="4879731"/>
+            <a:ext cx="1951892" cy="1072662"/>
+          </a:xfrm>
+          <a:prstGeom prst="ellipse">
+            <a:avLst/>
+          </a:prstGeom>
+        </p:spPr>
+        <p:style>
+          <a:lnRef idx="2">
+            <a:schemeClr val="accent1">
+              <a:shade val="50000"/>
+            </a:schemeClr>
+          </a:lnRef>
+          <a:fillRef idx="1">
+            <a:schemeClr val="accent1"/>
+          </a:fillRef>
+          <a:effectRef idx="0">
+            <a:schemeClr val="accent1"/>
+          </a:effectRef>
+          <a:fontRef idx="minor">
+            <a:schemeClr val="lt1"/>
+          </a:fontRef>
+        </p:style>
+        <p:txBody>
+          <a:bodyPr rtlCol="0" anchor="ctr"/>
+          <a:lstStyle/>
+          <a:p>
+            <a:pPr algn="ctr"/>
+            <a:r>
+              <a:rPr lang="en-US" altLang="zh-CN" dirty="0" smtClean="0">
+                <a:hlinkClick r:id="rId2" action="ppaction://hlinkfile"/>
+              </a:rPr>
+              <a:t>Mongo </a:t>
+            </a:r>
+            <a:r>
+              <a:rPr lang="zh-CN" altLang="en-US" dirty="0" smtClean="0">
+                <a:hlinkClick r:id="rId2" action="ppaction://hlinkfile"/>
+              </a:rPr>
+              <a:t>命令</a:t>
+            </a:r>
+            <a:endParaRPr lang="zh-CN" altLang="en-US" dirty="0"/>
+          </a:p>
+        </p:txBody>
+      </p:sp>
+      <p:sp>
+        <p:nvSpPr>
+          <p:cNvPr id="5" name="TextBox 4"/>
+          <p:cNvSpPr txBox="1"/>
+          <p:nvPr/>
+        </p:nvSpPr>
+        <p:spPr>
+          <a:xfrm>
+            <a:off x="1406768" y="1943100"/>
+            <a:ext cx="4536831" cy="2862322"/>
+          </a:xfrm>
+          <a:prstGeom prst="rect">
+            <a:avLst/>
+          </a:prstGeom>
+          <a:noFill/>
+        </p:spPr>
+        <p:txBody>
+          <a:bodyPr wrap="square" rtlCol="0">
+            <a:spAutoFit/>
+          </a:bodyPr>
+          <a:lstStyle/>
+          <a:p>
+            <a:r>
+              <a:rPr lang="zh-CN" altLang="en-US" dirty="0" smtClean="0"/>
+              <a:t>插入命令</a:t>
+            </a:r>
+            <a:endParaRPr lang="en-US" altLang="zh-CN" dirty="0"/>
+          </a:p>
+          <a:p>
+            <a:r>
+              <a:rPr lang="en-US" altLang="zh-CN" dirty="0" smtClean="0"/>
+              <a:t>    insert</a:t>
+            </a:r>
+          </a:p>
+          <a:p>
+            <a:r>
+              <a:rPr lang="en-US" altLang="zh-CN" dirty="0"/>
+              <a:t> </a:t>
+            </a:r>
+            <a:r>
+              <a:rPr lang="en-US" altLang="zh-CN" dirty="0" smtClean="0"/>
+              <a:t>   save</a:t>
+            </a:r>
+          </a:p>
+          <a:p>
+            <a:r>
+              <a:rPr lang="zh-CN" altLang="en-US" dirty="0" smtClean="0"/>
+              <a:t>更新命令</a:t>
+            </a:r>
+            <a:endParaRPr lang="en-US" altLang="zh-CN" dirty="0" smtClean="0"/>
+          </a:p>
+          <a:p>
+            <a:r>
+              <a:rPr lang="en-US" altLang="zh-CN" dirty="0"/>
+              <a:t> </a:t>
+            </a:r>
+            <a:r>
+              <a:rPr lang="en-US" altLang="zh-CN" dirty="0" smtClean="0"/>
+              <a:t>   update</a:t>
+            </a:r>
+          </a:p>
+          <a:p>
+            <a:r>
+              <a:rPr lang="en-US" altLang="zh-CN" dirty="0"/>
+              <a:t> </a:t>
+            </a:r>
+            <a:r>
+              <a:rPr lang="en-US" altLang="zh-CN" dirty="0" smtClean="0"/>
+              <a:t>   save</a:t>
+            </a:r>
+          </a:p>
+          <a:p>
+            <a:r>
+              <a:rPr lang="zh-CN" altLang="en-US" dirty="0" smtClean="0"/>
+              <a:t>删除命令</a:t>
+            </a:r>
+            <a:endParaRPr lang="en-US" altLang="zh-CN" dirty="0" smtClean="0"/>
+          </a:p>
+          <a:p>
+            <a:r>
+              <a:rPr lang="en-US" altLang="zh-CN" dirty="0" smtClean="0"/>
+              <a:t>    remove</a:t>
+            </a:r>
+          </a:p>
+          <a:p>
+            <a:r>
+              <a:rPr lang="zh-CN" altLang="en-US" dirty="0" smtClean="0"/>
+              <a:t>查询命令</a:t>
+            </a:r>
+            <a:endParaRPr lang="en-US" altLang="zh-CN" dirty="0" smtClean="0"/>
+          </a:p>
+          <a:p>
+            <a:r>
+              <a:rPr lang="en-US" altLang="zh-CN" dirty="0"/>
+              <a:t> </a:t>
+            </a:r>
+            <a:r>
+              <a:rPr lang="en-US" altLang="zh-CN" dirty="0" smtClean="0"/>
+              <a:t>   find</a:t>
             </a:r>
             <a:endParaRPr lang="zh-CN" altLang="en-US" dirty="0"/>
           </a:p>
@@ -5516,12 +5840,8 @@
           <a:lstStyle/>
           <a:p>
             <a:r>
-              <a:rPr lang="en-US" altLang="zh-CN" dirty="0" err="1" smtClean="0"/>
-              <a:t>MongoDB</a:t>
-            </a:r>
-            <a:r>
               <a:rPr lang="en-US" altLang="zh-CN" dirty="0" smtClean="0"/>
-              <a:t> </a:t>
+              <a:t>MongoDB </a:t>
             </a:r>
             <a:r>
               <a:rPr lang="zh-CN" altLang="en-US" dirty="0" smtClean="0"/>
@@ -5533,20 +5853,183 @@
       </p:sp>
       <p:sp>
         <p:nvSpPr>
-          <p:cNvPr id="3" name="内容占位符 2"/>
-          <p:cNvSpPr>
-            <a:spLocks noGrp="1"/>
-          </p:cNvSpPr>
-          <p:nvPr>
-            <p:ph idx="1"/>
-          </p:nvPr>
-        </p:nvSpPr>
-        <p:spPr/>
-        <p:txBody>
-          <a:bodyPr/>
-          <a:lstStyle/>
-          <a:p>
-            <a:endParaRPr lang="zh-CN" altLang="en-US"/>
+          <p:cNvPr id="4" name="椭圆 3"/>
+          <p:cNvSpPr/>
+          <p:nvPr/>
+        </p:nvSpPr>
+        <p:spPr>
+          <a:xfrm>
+            <a:off x="8185639" y="4730262"/>
+            <a:ext cx="2470638" cy="1169376"/>
+          </a:xfrm>
+          <a:prstGeom prst="ellipse">
+            <a:avLst/>
+          </a:prstGeom>
+        </p:spPr>
+        <p:style>
+          <a:lnRef idx="2">
+            <a:schemeClr val="accent1">
+              <a:shade val="50000"/>
+            </a:schemeClr>
+          </a:lnRef>
+          <a:fillRef idx="1">
+            <a:schemeClr val="accent1"/>
+          </a:fillRef>
+          <a:effectRef idx="0">
+            <a:schemeClr val="accent1"/>
+          </a:effectRef>
+          <a:fontRef idx="minor">
+            <a:schemeClr val="lt1"/>
+          </a:fontRef>
+        </p:style>
+        <p:txBody>
+          <a:bodyPr rtlCol="0" anchor="ctr"/>
+          <a:lstStyle/>
+          <a:p>
+            <a:pPr algn="ctr"/>
+            <a:r>
+              <a:rPr lang="en-US" altLang="zh-CN" dirty="0" smtClean="0">
+                <a:hlinkClick r:id="rId2" action="ppaction://hlinkfile"/>
+              </a:rPr>
+              <a:t>MongoDB </a:t>
+            </a:r>
+            <a:r>
+              <a:rPr lang="zh-CN" altLang="en-US" dirty="0" smtClean="0">
+                <a:hlinkClick r:id="rId2" action="ppaction://hlinkfile"/>
+              </a:rPr>
+              <a:t>索引</a:t>
+            </a:r>
+            <a:endParaRPr lang="zh-CN" altLang="en-US" dirty="0"/>
+          </a:p>
+        </p:txBody>
+      </p:sp>
+      <p:sp>
+        <p:nvSpPr>
+          <p:cNvPr id="5" name="TextBox 4"/>
+          <p:cNvSpPr txBox="1"/>
+          <p:nvPr/>
+        </p:nvSpPr>
+        <p:spPr>
+          <a:xfrm>
+            <a:off x="1468314" y="1776046"/>
+            <a:ext cx="7385539" cy="3139321"/>
+          </a:xfrm>
+          <a:prstGeom prst="rect">
+            <a:avLst/>
+          </a:prstGeom>
+          <a:noFill/>
+        </p:spPr>
+        <p:txBody>
+          <a:bodyPr wrap="square" rtlCol="0">
+            <a:spAutoFit/>
+          </a:bodyPr>
+          <a:lstStyle/>
+          <a:p>
+            <a:r>
+              <a:rPr lang="en-US" altLang="zh-CN" dirty="0"/>
+              <a:t> </a:t>
+            </a:r>
+            <a:r>
+              <a:rPr lang="en-US" altLang="zh-CN" dirty="0" smtClean="0"/>
+              <a:t>     </a:t>
+            </a:r>
+          </a:p>
+          <a:p>
+            <a:r>
+              <a:rPr lang="zh-CN" altLang="en-US" dirty="0" smtClean="0"/>
+              <a:t>索引</a:t>
+            </a:r>
+            <a:r>
+              <a:rPr lang="zh-CN" altLang="en-US" dirty="0"/>
+              <a:t>通常能够极大的提高查询的效率，如果没有索引，</a:t>
+            </a:r>
+            <a:r>
+              <a:rPr lang="en-US" altLang="zh-CN" dirty="0"/>
+              <a:t>MongoDB</a:t>
+            </a:r>
+            <a:r>
+              <a:rPr lang="zh-CN" altLang="en-US" dirty="0"/>
+              <a:t>在读取数据时必须扫描集合中的每个文件并选取那些符合查询条件的记录。</a:t>
+            </a:r>
+          </a:p>
+          <a:p>
+            <a:r>
+              <a:rPr lang="zh-CN" altLang="en-US" dirty="0" smtClean="0"/>
+              <a:t>      </a:t>
+            </a:r>
+            <a:endParaRPr lang="en-US" altLang="zh-CN" dirty="0" smtClean="0"/>
+          </a:p>
+          <a:p>
+            <a:r>
+              <a:rPr lang="zh-CN" altLang="en-US" dirty="0" smtClean="0"/>
+              <a:t>这种</a:t>
+            </a:r>
+            <a:r>
+              <a:rPr lang="zh-CN" altLang="en-US" dirty="0"/>
+              <a:t>扫描全集合的查询效率是非常低的，特别在处理大量的数据时，查询可以要花费几十秒甚至几分钟，这对网站的性能是非常致命的。</a:t>
+            </a:r>
+          </a:p>
+          <a:p>
+            <a:r>
+              <a:rPr lang="zh-CN" altLang="en-US" dirty="0" smtClean="0"/>
+              <a:t>    </a:t>
+            </a:r>
+            <a:endParaRPr lang="en-US" altLang="zh-CN" dirty="0" smtClean="0"/>
+          </a:p>
+          <a:p>
+            <a:r>
+              <a:rPr lang="zh-CN" altLang="en-US" dirty="0" smtClean="0"/>
+              <a:t>索引</a:t>
+            </a:r>
+            <a:r>
+              <a:rPr lang="zh-CN" altLang="en-US" dirty="0"/>
+              <a:t>是特殊的数据结构，索引存储在一个易于遍历读取的数据集合中，索引是对数据库表中一列或多列的值进行排序的一种</a:t>
+            </a:r>
+            <a:r>
+              <a:rPr lang="zh-CN" altLang="en-US" dirty="0" smtClean="0"/>
+              <a:t>结构</a:t>
+            </a:r>
+            <a:endParaRPr lang="en-US" altLang="zh-CN" dirty="0" smtClean="0"/>
+          </a:p>
+          <a:p>
+            <a:endParaRPr lang="zh-CN" altLang="en-US" dirty="0"/>
+          </a:p>
+          <a:p>
+            <a:r>
+              <a:rPr lang="en-US" altLang="zh-CN" dirty="0"/>
+              <a:t>MongoDB</a:t>
+            </a:r>
+            <a:r>
+              <a:rPr lang="zh-CN" altLang="en-US" dirty="0"/>
+              <a:t>使用 </a:t>
+            </a:r>
+            <a:r>
+              <a:rPr lang="en-US" altLang="zh-CN" b="1" dirty="0" err="1"/>
+              <a:t>ensureIndex</a:t>
+            </a:r>
+            <a:r>
+              <a:rPr lang="en-US" altLang="zh-CN" dirty="0"/>
+              <a:t>() </a:t>
+            </a:r>
+            <a:r>
+              <a:rPr lang="zh-CN" altLang="en-US" dirty="0"/>
+              <a:t>或者</a:t>
+            </a:r>
+            <a:r>
+              <a:rPr lang="en-US" altLang="zh-CN" b="1" dirty="0" err="1"/>
+              <a:t>createIndex</a:t>
+            </a:r>
+            <a:r>
+              <a:rPr lang="en-US" altLang="zh-CN" dirty="0"/>
+              <a:t>() </a:t>
+            </a:r>
+            <a:r>
+              <a:rPr lang="zh-CN" altLang="en-US" dirty="0"/>
+              <a:t>方法来创建索引。</a:t>
+            </a:r>
+            <a:endParaRPr lang="zh-CN" altLang="en-US" dirty="0">
+              <a:effectLst/>
+            </a:endParaRPr>
           </a:p>
         </p:txBody>
       </p:sp>
@@ -5603,12 +6086,8 @@
           <a:lstStyle/>
           <a:p>
             <a:r>
-              <a:rPr lang="en-US" altLang="zh-CN" dirty="0" err="1" smtClean="0"/>
-              <a:t>MongoDB</a:t>
-            </a:r>
-            <a:r>
               <a:rPr lang="en-US" altLang="zh-CN" dirty="0" smtClean="0"/>
-              <a:t> </a:t>
+              <a:t>MongoDB </a:t>
             </a:r>
             <a:r>
               <a:rPr lang="zh-CN" altLang="en-US" dirty="0" smtClean="0"/>
@@ -5628,12 +6107,161 @@
             <p:ph idx="1"/>
           </p:nvPr>
         </p:nvSpPr>
-        <p:spPr/>
-        <p:txBody>
-          <a:bodyPr/>
-          <a:lstStyle/>
-          <a:p>
-            <a:endParaRPr lang="zh-CN" altLang="en-US"/>
+        <p:spPr>
+          <a:xfrm>
+            <a:off x="838200" y="1825625"/>
+            <a:ext cx="10515600" cy="2139706"/>
+          </a:xfrm>
+        </p:spPr>
+        <p:txBody>
+          <a:bodyPr/>
+          <a:lstStyle/>
+          <a:p>
+            <a:r>
+              <a:rPr lang="en-US" altLang="zh-CN" dirty="0"/>
+              <a:t>MongoDB 3.0</a:t>
+            </a:r>
+            <a:r>
+              <a:rPr lang="zh-CN" altLang="en-US" dirty="0"/>
+              <a:t>之后，</a:t>
+            </a:r>
+            <a:r>
+              <a:rPr lang="en-US" altLang="zh-CN" dirty="0"/>
+              <a:t>explain</a:t>
+            </a:r>
+            <a:r>
+              <a:rPr lang="zh-CN" altLang="en-US" dirty="0"/>
+              <a:t>的返回与使用方法与之前版本有了很大的变化，目前所使用的是</a:t>
+            </a:r>
+            <a:r>
+              <a:rPr lang="en-US" altLang="zh-CN" dirty="0"/>
+              <a:t>3.4.7</a:t>
+            </a:r>
+            <a:r>
+              <a:rPr lang="zh-CN" altLang="en-US" dirty="0"/>
+              <a:t>版本，本文仅针对</a:t>
+            </a:r>
+            <a:r>
+              <a:rPr lang="en-US" altLang="zh-CN" dirty="0"/>
+              <a:t>MongoDB 3.0+</a:t>
+            </a:r>
+            <a:r>
+              <a:rPr lang="zh-CN" altLang="en-US" dirty="0"/>
+              <a:t>的</a:t>
+            </a:r>
+            <a:r>
+              <a:rPr lang="en-US" altLang="zh-CN" dirty="0"/>
+              <a:t>explain</a:t>
+            </a:r>
+            <a:r>
+              <a:rPr lang="zh-CN" altLang="en-US" dirty="0"/>
+              <a:t>进行讨论。</a:t>
+            </a:r>
+            <a:r>
+              <a:rPr lang="en-US" altLang="zh-CN" dirty="0"/>
+              <a:t>3.0+</a:t>
+            </a:r>
+            <a:r>
+              <a:rPr lang="zh-CN" altLang="en-US" dirty="0"/>
+              <a:t>的</a:t>
+            </a:r>
+            <a:r>
+              <a:rPr lang="en-US" altLang="zh-CN" dirty="0"/>
+              <a:t>explain</a:t>
+            </a:r>
+            <a:r>
+              <a:rPr lang="zh-CN" altLang="en-US" dirty="0"/>
+              <a:t>有三种模式，分别是：</a:t>
+            </a:r>
+            <a:endParaRPr lang="zh-CN" altLang="en-US" dirty="0"/>
+          </a:p>
+          <a:p>
+            <a:r>
+              <a:rPr lang="en-US" altLang="zh-CN" b="1" dirty="0" err="1"/>
+              <a:t>queryPlanner</a:t>
+            </a:r>
+            <a:r>
+              <a:rPr lang="zh-CN" altLang="en-US" dirty="0"/>
+              <a:t>、</a:t>
+            </a:r>
+            <a:r>
+              <a:rPr lang="en-US" altLang="zh-CN" b="1" dirty="0" err="1"/>
+              <a:t>executionStats</a:t>
+            </a:r>
+            <a:r>
+              <a:rPr lang="zh-CN" altLang="en-US" dirty="0"/>
+              <a:t>、</a:t>
+            </a:r>
+            <a:r>
+              <a:rPr lang="en-US" altLang="zh-CN" b="1" dirty="0" err="1"/>
+              <a:t>allPlansExecution</a:t>
+            </a:r>
+            <a:r>
+              <a:rPr lang="zh-CN" altLang="en-US" dirty="0"/>
+              <a:t>。</a:t>
+            </a:r>
+            <a:endParaRPr lang="en-US" altLang="zh-CN" dirty="0"/>
+          </a:p>
+          <a:p>
+            <a:pPr marL="0" indent="0">
+              <a:buNone/>
+            </a:pPr>
+            <a:endParaRPr lang="zh-CN" altLang="en-US" dirty="0"/>
+          </a:p>
+        </p:txBody>
+      </p:sp>
+      <p:sp>
+        <p:nvSpPr>
+          <p:cNvPr id="4" name="椭圆 3"/>
+          <p:cNvSpPr/>
+          <p:nvPr/>
+        </p:nvSpPr>
+        <p:spPr>
+          <a:xfrm>
+            <a:off x="8836269" y="5090746"/>
+            <a:ext cx="2321169" cy="1143000"/>
+          </a:xfrm>
+          <a:prstGeom prst="ellipse">
+            <a:avLst/>
+          </a:prstGeom>
+        </p:spPr>
+        <p:style>
+          <a:lnRef idx="2">
+            <a:schemeClr val="accent1">
+              <a:shade val="50000"/>
+            </a:schemeClr>
+          </a:lnRef>
+          <a:fillRef idx="1">
+            <a:schemeClr val="accent1"/>
+          </a:fillRef>
+          <a:effectRef idx="0">
+            <a:schemeClr val="accent1"/>
+          </a:effectRef>
+          <a:fontRef idx="minor">
+            <a:schemeClr val="lt1"/>
+          </a:fontRef>
+        </p:style>
+        <p:txBody>
+          <a:bodyPr rtlCol="0" anchor="ctr"/>
+          <a:lstStyle/>
+          <a:p>
+            <a:pPr algn="ctr"/>
+            <a:r>
+              <a:rPr lang="en-US" altLang="zh-CN" dirty="0" smtClean="0">
+                <a:hlinkClick r:id="rId2" action="ppaction://hlinkfile"/>
+              </a:rPr>
+              <a:t>Mongodb</a:t>
+            </a:r>
+          </a:p>
+          <a:p>
+            <a:pPr algn="ctr"/>
+            <a:r>
+              <a:rPr lang="zh-CN" altLang="en-US" dirty="0" smtClean="0">
+                <a:hlinkClick r:id="rId2" action="ppaction://hlinkfile"/>
+              </a:rPr>
+              <a:t>查询性能分析</a:t>
+            </a:r>
+            <a:endParaRPr lang="zh-CN" altLang="en-US" dirty="0"/>
           </a:p>
         </p:txBody>
       </p:sp>
@@ -5647,6 +6275,13 @@
   <p:clrMapOvr>
     <a:masterClrMapping/>
   </p:clrMapOvr>
+  <p:timing>
+    <p:tnLst>
+      <p:par>
+        <p:cTn id="1" dur="indefinite" restart="never" nodeType="tmRoot"/>
+      </p:par>
+    </p:tnLst>
+  </p:timing>
 </p:sld>
 </file>
 
@@ -5693,7 +6328,7 @@
     </a:clrScheme>
     <a:fontScheme name="Office">
       <a:majorFont>
-        <a:latin typeface="Calibri Light" panose="020F0302020204030204"/>
+        <a:latin typeface="Calibri Light"/>
         <a:ea typeface=""/>
         <a:cs typeface=""/>
         <a:font script="Jpan" typeface="ＭＳ Ｐゴシック"/>
@@ -5728,7 +6363,7 @@
         <a:font script="Geor" typeface="Sylfaen"/>
       </a:majorFont>
       <a:minorFont>
-        <a:latin typeface="Calibri" panose="020F0502020204030204"/>
+        <a:latin typeface="Calibri"/>
         <a:ea typeface=""/>
         <a:cs typeface=""/>
         <a:font script="Jpan" typeface="ＭＳ Ｐゴシック"/>
@@ -5905,7 +6540,7 @@
   <a:extraClrSchemeLst/>
   <a:extLst>
     <a:ext uri="{05A4C25C-085E-4340-85A3-A5531E510DB2}">
-      <thm15:themeFamily xmlns:thm15="http://schemas.microsoft.com/office/thememl/2012/main" name="Office Theme" id="{62F939B6-93AF-4DB8-9C6B-D6C7DFDC589F}" vid="{4A3C46E8-61CC-4603-A589-7422A47A8E4A}"/>
+      <thm15:themeFamily xmlns:thm15="http://schemas.microsoft.com/office/thememl/2012/main" xmlns="" name="Office Theme" id="{62F939B6-93AF-4DB8-9C6B-D6C7DFDC589F}" vid="{4A3C46E8-61CC-4603-A589-7422A47A8E4A}"/>
     </a:ext>
   </a:extLst>
 </a:theme>
